--- a/project_bulletin_board.pptx
+++ b/project_bulletin_board.pptx
@@ -6,28 +6,27 @@
     <p:sldMasterId id="2147483694" r:id="rId2"/>
   </p:sldMasterIdLst>
   <p:notesMasterIdLst>
-    <p:notesMasterId r:id="rId19"/>
+    <p:notesMasterId r:id="rId18"/>
   </p:notesMasterIdLst>
   <p:handoutMasterIdLst>
-    <p:handoutMasterId r:id="rId20"/>
+    <p:handoutMasterId r:id="rId19"/>
   </p:handoutMasterIdLst>
   <p:sldIdLst>
     <p:sldId id="257" r:id="rId3"/>
     <p:sldId id="268" r:id="rId4"/>
-    <p:sldId id="260" r:id="rId5"/>
+    <p:sldId id="280" r:id="rId5"/>
     <p:sldId id="261" r:id="rId6"/>
     <p:sldId id="264" r:id="rId7"/>
     <p:sldId id="271" r:id="rId8"/>
     <p:sldId id="272" r:id="rId9"/>
-    <p:sldId id="262" r:id="rId10"/>
-    <p:sldId id="258" r:id="rId11"/>
-    <p:sldId id="279" r:id="rId12"/>
-    <p:sldId id="263" r:id="rId13"/>
-    <p:sldId id="274" r:id="rId14"/>
-    <p:sldId id="275" r:id="rId15"/>
-    <p:sldId id="276" r:id="rId16"/>
-    <p:sldId id="277" r:id="rId17"/>
-    <p:sldId id="278" r:id="rId18"/>
+    <p:sldId id="258" r:id="rId10"/>
+    <p:sldId id="279" r:id="rId11"/>
+    <p:sldId id="263" r:id="rId12"/>
+    <p:sldId id="274" r:id="rId13"/>
+    <p:sldId id="275" r:id="rId14"/>
+    <p:sldId id="276" r:id="rId15"/>
+    <p:sldId id="277" r:id="rId16"/>
+    <p:sldId id="278" r:id="rId17"/>
   </p:sldIdLst>
   <p:sldSz cx="12192000" cy="6858000"/>
   <p:notesSz cx="6858000" cy="9144000"/>
@@ -792,76 +791,16 @@
           <a:lstStyle/>
           <a:p>
             <a:r>
+              <a:rPr lang="nl-NL" dirty="0"/>
+              <a:t>Zowel server als clients worden centraal gestart, zouden ook elk een </a:t>
+            </a:r>
+            <a:r>
               <a:rPr lang="nl-NL" dirty="0" err="1"/>
-              <a:t>Loadbalancerimp</a:t>
+              <a:t>main</a:t>
             </a:r>
             <a:r>
               <a:rPr lang="nl-NL" dirty="0"/>
-              <a:t> bevat lijst van </a:t>
-            </a:r>
-            <a:r>
-              <a:rPr lang="nl-NL" dirty="0" err="1"/>
-              <a:t>serverconnections</a:t>
-            </a:r>
-            <a:r>
-              <a:rPr lang="nl-NL" dirty="0"/>
-              <a:t> en heeft 2 belangrijke methodes, </a:t>
-            </a:r>
-            <a:r>
-              <a:rPr lang="nl-NL" dirty="0" err="1"/>
-              <a:t>postMessage</a:t>
-            </a:r>
-            <a:r>
-              <a:rPr lang="nl-NL" dirty="0"/>
-              <a:t> gaat een </a:t>
-            </a:r>
-            <a:r>
-              <a:rPr lang="nl-NL" dirty="0" err="1"/>
-              <a:t>message</a:t>
-            </a:r>
-            <a:r>
-              <a:rPr lang="nl-NL" dirty="0"/>
-              <a:t> posten in een </a:t>
-            </a:r>
-            <a:r>
-              <a:rPr lang="nl-NL" dirty="0" err="1"/>
-              <a:t>cell</a:t>
-            </a:r>
-            <a:r>
-              <a:rPr lang="nl-NL" dirty="0"/>
-              <a:t> in een server. </a:t>
-            </a:r>
-            <a:r>
-              <a:rPr lang="nl-NL" dirty="0" err="1"/>
-              <a:t>getMessage</a:t>
-            </a:r>
-            <a:r>
-              <a:rPr lang="nl-NL" dirty="0"/>
-              <a:t> gaat een combinatie van </a:t>
-            </a:r>
-            <a:r>
-              <a:rPr lang="nl-NL" dirty="0" err="1"/>
-              <a:t>Cell</a:t>
-            </a:r>
-            <a:r>
-              <a:rPr lang="nl-NL" dirty="0"/>
-              <a:t> en tag ophalen, dit zou op meerdere servers kunnen staan en zou </a:t>
-            </a:r>
-            <a:r>
-              <a:rPr lang="nl-NL" dirty="0" err="1"/>
-              <a:t>meerderekeren</a:t>
-            </a:r>
-            <a:r>
-              <a:rPr lang="nl-NL" dirty="0"/>
-              <a:t> kunnen voorkomen. Hij geeft ze allemaal terug maar kan maar 1 </a:t>
-            </a:r>
-            <a:r>
-              <a:rPr lang="nl-NL" dirty="0" err="1"/>
-              <a:t>decrypten</a:t>
-            </a:r>
-            <a:r>
-              <a:rPr lang="nl-NL" dirty="0"/>
-              <a:t>. Spijtig daje zoveel onnodige dingen moet doen maar was het enigste da ik op kwam. Posten gaat hij in elke server proberen tot hij slaagt.</a:t>
+              <a:t> methode kunnen krijgen</a:t>
             </a:r>
             <a:endParaRPr lang="nl-BE" dirty="0"/>
           </a:p>
@@ -884,7 +823,7 @@
           <a:p>
             <a:fld id="{8954E32A-327F-AF4B-8E1F-209FBF93D26D}" type="slidenum">
               <a:rPr lang="nl-NL" smtClean="0"/>
-              <a:t>4</a:t>
+              <a:t>3</a:t>
             </a:fld>
             <a:endParaRPr lang="nl-NL"/>
           </a:p>
@@ -893,7 +832,7 @@
     </p:spTree>
     <p:extLst>
       <p:ext uri="{BB962C8B-B14F-4D97-AF65-F5344CB8AC3E}">
-        <p14:creationId xmlns:p14="http://schemas.microsoft.com/office/powerpoint/2010/main" val="3761564209"/>
+        <p14:creationId xmlns:p14="http://schemas.microsoft.com/office/powerpoint/2010/main" val="1617284757"/>
       </p:ext>
     </p:extLst>
   </p:cSld>
@@ -947,50 +886,78 @@
           <a:bodyPr/>
           <a:lstStyle/>
           <a:p>
-            <a:pPr marL="0" marR="0" lvl="0" indent="0" algn="l" defTabSz="914400" rtl="0" eaLnBrk="1" fontAlgn="auto" latinLnBrk="0" hangingPunct="1">
-              <a:lnSpc>
-                <a:spcPct val="100000"/>
-              </a:lnSpc>
-              <a:spcBef>
-                <a:spcPts val="0"/>
-              </a:spcBef>
-              <a:spcAft>
-                <a:spcPts val="0"/>
-              </a:spcAft>
-              <a:buClrTx/>
-              <a:buSzTx/>
-              <a:buFontTx/>
-              <a:buNone/>
-              <a:tabLst/>
-              <a:defRPr/>
-            </a:pPr>
+            <a:r>
+              <a:rPr lang="nl-NL" dirty="0" err="1"/>
+              <a:t>Loadbalancerimp</a:t>
+            </a:r>
             <a:r>
               <a:rPr lang="nl-NL" dirty="0"/>
-              <a:t>Deze methode word opgeroepen in </a:t>
+              <a:t> bevat lijst van </a:t>
             </a:r>
             <a:r>
               <a:rPr lang="nl-NL" dirty="0" err="1"/>
-              <a:t>while</a:t>
+              <a:t>serverconnections</a:t>
             </a:r>
             <a:r>
               <a:rPr lang="nl-NL" dirty="0"/>
-              <a:t> loop in apparte </a:t>
+              <a:t> en heeft 2 belangrijke methodes, </a:t>
             </a:r>
             <a:r>
               <a:rPr lang="nl-NL" dirty="0" err="1"/>
-              <a:t>messageprinter</a:t>
+              <a:t>postMessage</a:t>
             </a:r>
             <a:r>
               <a:rPr lang="nl-NL" dirty="0"/>
-              <a:t> thread, Deze word gestart na succesvolle </a:t>
+              <a:t> gaat een </a:t>
             </a:r>
             <a:r>
               <a:rPr lang="nl-NL" dirty="0" err="1"/>
-              <a:t>bump</a:t>
-            </a:r>
-            <a:endParaRPr lang="nl-BE" dirty="0"/>
-          </a:p>
-          <a:p>
+              <a:t>message</a:t>
+            </a:r>
+            <a:r>
+              <a:rPr lang="nl-NL" dirty="0"/>
+              <a:t> posten in een </a:t>
+            </a:r>
+            <a:r>
+              <a:rPr lang="nl-NL" dirty="0" err="1"/>
+              <a:t>cell</a:t>
+            </a:r>
+            <a:r>
+              <a:rPr lang="nl-NL" dirty="0"/>
+              <a:t> in een server. </a:t>
+            </a:r>
+            <a:r>
+              <a:rPr lang="nl-NL" dirty="0" err="1"/>
+              <a:t>getMessage</a:t>
+            </a:r>
+            <a:r>
+              <a:rPr lang="nl-NL" dirty="0"/>
+              <a:t> gaat een combinatie van </a:t>
+            </a:r>
+            <a:r>
+              <a:rPr lang="nl-NL" dirty="0" err="1"/>
+              <a:t>Cell</a:t>
+            </a:r>
+            <a:r>
+              <a:rPr lang="nl-NL" dirty="0"/>
+              <a:t> en tag ophalen, dit zou op meerdere servers kunnen staan en zou </a:t>
+            </a:r>
+            <a:r>
+              <a:rPr lang="nl-NL" dirty="0" err="1"/>
+              <a:t>meerderekeren</a:t>
+            </a:r>
+            <a:r>
+              <a:rPr lang="nl-NL" dirty="0"/>
+              <a:t> kunnen voorkomen. Hij geeft ze allemaal terug maar kan maar 1 </a:t>
+            </a:r>
+            <a:r>
+              <a:rPr lang="nl-NL" dirty="0" err="1"/>
+              <a:t>decrypten</a:t>
+            </a:r>
+            <a:r>
+              <a:rPr lang="nl-NL" dirty="0"/>
+              <a:t>. Spijtig daje zoveel onnodige dingen moet doen maar was het enigste da ik op kwam. Posten gaat hij in elke server proberen tot hij slaagt.</a:t>
+            </a:r>
             <a:endParaRPr lang="nl-BE" dirty="0"/>
           </a:p>
         </p:txBody>
@@ -1012,7 +979,7 @@
           <a:p>
             <a:fld id="{8954E32A-327F-AF4B-8E1F-209FBF93D26D}" type="slidenum">
               <a:rPr lang="nl-NL" smtClean="0"/>
-              <a:t>12</a:t>
+              <a:t>4</a:t>
             </a:fld>
             <a:endParaRPr lang="nl-NL"/>
           </a:p>
@@ -1021,7 +988,7 @@
     </p:spTree>
     <p:extLst>
       <p:ext uri="{BB962C8B-B14F-4D97-AF65-F5344CB8AC3E}">
-        <p14:creationId xmlns:p14="http://schemas.microsoft.com/office/powerpoint/2010/main" val="2272196855"/>
+        <p14:creationId xmlns:p14="http://schemas.microsoft.com/office/powerpoint/2010/main" val="3761564209"/>
       </p:ext>
     </p:extLst>
   </p:cSld>
@@ -1075,6 +1042,134 @@
           <a:bodyPr/>
           <a:lstStyle/>
           <a:p>
+            <a:pPr marL="0" marR="0" lvl="0" indent="0" algn="l" defTabSz="914400" rtl="0" eaLnBrk="1" fontAlgn="auto" latinLnBrk="0" hangingPunct="1">
+              <a:lnSpc>
+                <a:spcPct val="100000"/>
+              </a:lnSpc>
+              <a:spcBef>
+                <a:spcPts val="0"/>
+              </a:spcBef>
+              <a:spcAft>
+                <a:spcPts val="0"/>
+              </a:spcAft>
+              <a:buClrTx/>
+              <a:buSzTx/>
+              <a:buFontTx/>
+              <a:buNone/>
+              <a:tabLst/>
+              <a:defRPr/>
+            </a:pPr>
+            <a:r>
+              <a:rPr lang="nl-NL" dirty="0"/>
+              <a:t>Deze methode word opgeroepen in </a:t>
+            </a:r>
+            <a:r>
+              <a:rPr lang="nl-NL" dirty="0" err="1"/>
+              <a:t>while</a:t>
+            </a:r>
+            <a:r>
+              <a:rPr lang="nl-NL" dirty="0"/>
+              <a:t> loop in apparte </a:t>
+            </a:r>
+            <a:r>
+              <a:rPr lang="nl-NL" dirty="0" err="1"/>
+              <a:t>messageprinter</a:t>
+            </a:r>
+            <a:r>
+              <a:rPr lang="nl-NL" dirty="0"/>
+              <a:t> thread, Deze word gestart na succesvolle </a:t>
+            </a:r>
+            <a:r>
+              <a:rPr lang="nl-NL" dirty="0" err="1"/>
+              <a:t>bump</a:t>
+            </a:r>
+            <a:endParaRPr lang="nl-BE" dirty="0"/>
+          </a:p>
+          <a:p>
+            <a:endParaRPr lang="nl-BE" dirty="0"/>
+          </a:p>
+        </p:txBody>
+      </p:sp>
+      <p:sp>
+        <p:nvSpPr>
+          <p:cNvPr id="4" name="Tijdelijke aanduiding voor dianummer 3"/>
+          <p:cNvSpPr>
+            <a:spLocks noGrp="1"/>
+          </p:cNvSpPr>
+          <p:nvPr>
+            <p:ph type="sldNum" sz="quarter" idx="5"/>
+          </p:nvPr>
+        </p:nvSpPr>
+        <p:spPr/>
+        <p:txBody>
+          <a:bodyPr/>
+          <a:lstStyle/>
+          <a:p>
+            <a:fld id="{8954E32A-327F-AF4B-8E1F-209FBF93D26D}" type="slidenum">
+              <a:rPr lang="nl-NL" smtClean="0"/>
+              <a:t>11</a:t>
+            </a:fld>
+            <a:endParaRPr lang="nl-NL"/>
+          </a:p>
+        </p:txBody>
+      </p:sp>
+    </p:spTree>
+    <p:extLst>
+      <p:ext uri="{BB962C8B-B14F-4D97-AF65-F5344CB8AC3E}">
+        <p14:creationId xmlns:p14="http://schemas.microsoft.com/office/powerpoint/2010/main" val="2272196855"/>
+      </p:ext>
+    </p:extLst>
+  </p:cSld>
+  <p:clrMapOvr>
+    <a:masterClrMapping/>
+  </p:clrMapOvr>
+</p:notes>
+</file>
+
+<file path=ppt/notesSlides/notesSlide5.xml><?xml version="1.0" encoding="utf-8"?>
+<p:notes xmlns:a="http://schemas.openxmlformats.org/drawingml/2006/main" xmlns:r="http://schemas.openxmlformats.org/officeDocument/2006/relationships" xmlns:p="http://schemas.openxmlformats.org/presentationml/2006/main">
+  <p:cSld>
+    <p:spTree>
+      <p:nvGrpSpPr>
+        <p:cNvPr id="1" name=""/>
+        <p:cNvGrpSpPr/>
+        <p:nvPr/>
+      </p:nvGrpSpPr>
+      <p:grpSpPr>
+        <a:xfrm>
+          <a:off x="0" y="0"/>
+          <a:ext cx="0" cy="0"/>
+          <a:chOff x="0" y="0"/>
+          <a:chExt cx="0" cy="0"/>
+        </a:xfrm>
+      </p:grpSpPr>
+      <p:sp>
+        <p:nvSpPr>
+          <p:cNvPr id="2" name="Tijdelijke aanduiding voor dia-afbeelding 1"/>
+          <p:cNvSpPr>
+            <a:spLocks noGrp="1" noRot="1" noChangeAspect="1"/>
+          </p:cNvSpPr>
+          <p:nvPr>
+            <p:ph type="sldImg"/>
+          </p:nvPr>
+        </p:nvSpPr>
+        <p:spPr/>
+      </p:sp>
+      <p:sp>
+        <p:nvSpPr>
+          <p:cNvPr id="3" name="Tijdelijke aanduiding voor notities 2"/>
+          <p:cNvSpPr>
+            <a:spLocks noGrp="1"/>
+          </p:cNvSpPr>
+          <p:nvPr>
+            <p:ph type="body" idx="1"/>
+          </p:nvPr>
+        </p:nvSpPr>
+        <p:spPr/>
+        <p:txBody>
+          <a:bodyPr/>
+          <a:lstStyle/>
+          <a:p>
             <a:r>
               <a:rPr lang="nl-NL" dirty="0"/>
               <a:t>Na op </a:t>
@@ -1116,7 +1211,7 @@
           <a:p>
             <a:fld id="{8954E32A-327F-AF4B-8E1F-209FBF93D26D}" type="slidenum">
               <a:rPr lang="nl-NL" smtClean="0"/>
-              <a:t>16</a:t>
+              <a:t>15</a:t>
             </a:fld>
             <a:endParaRPr lang="nl-NL"/>
           </a:p>
@@ -5532,7 +5627,7 @@
           <p:cNvPr id="3" name="Slide Number Placeholder 2">
             <a:extLst>
               <a:ext uri="{FF2B5EF4-FFF2-40B4-BE49-F238E27FC236}">
-                <a16:creationId xmlns:a16="http://schemas.microsoft.com/office/drawing/2014/main" id="{A6DA73EB-ED03-4580-9441-78550C38495D}"/>
+                <a16:creationId xmlns:a16="http://schemas.microsoft.com/office/drawing/2014/main" id="{B794388B-511E-4BA5-9A82-3DEDFA978E92}"/>
               </a:ext>
             </a:extLst>
           </p:cNvPr>
@@ -5558,65 +5653,50 @@
       </p:sp>
       <p:sp>
         <p:nvSpPr>
-          <p:cNvPr id="11" name="Title 3">
+          <p:cNvPr id="4" name="Title 3">
             <a:extLst>
               <a:ext uri="{FF2B5EF4-FFF2-40B4-BE49-F238E27FC236}">
-                <a16:creationId xmlns:a16="http://schemas.microsoft.com/office/drawing/2014/main" id="{0E3D0304-9085-C51D-3E96-A385D22FD6A2}"/>
+                <a16:creationId xmlns:a16="http://schemas.microsoft.com/office/drawing/2014/main" id="{21F9D554-1CBF-450D-B428-B4B9F201A936}"/>
               </a:ext>
             </a:extLst>
           </p:cNvPr>
-          <p:cNvSpPr txBox="1">
-            <a:spLocks/>
-          </p:cNvSpPr>
-          <p:nvPr/>
-        </p:nvSpPr>
-        <p:spPr>
-          <a:xfrm>
-            <a:off x="328231" y="162000"/>
+          <p:cNvSpPr>
+            <a:spLocks noGrp="1"/>
+          </p:cNvSpPr>
+          <p:nvPr>
+            <p:ph type="title"/>
+          </p:nvPr>
+        </p:nvSpPr>
+        <p:spPr>
+          <a:xfrm>
+            <a:off x="575400" y="207036"/>
             <a:ext cx="11041200" cy="1152000"/>
           </a:xfrm>
-          <a:prstGeom prst="rect">
-            <a:avLst/>
-          </a:prstGeom>
-        </p:spPr>
-        <p:txBody>
-          <a:bodyPr vert="horz" lIns="0" tIns="0" rIns="0" bIns="0" rtlCol="0" anchor="ctr" anchorCtr="0">
+        </p:spPr>
+        <p:txBody>
+          <a:bodyPr>
             <a:normAutofit/>
           </a:bodyPr>
-          <a:lstStyle>
-            <a:lvl1pPr algn="l" defTabSz="914400" rtl="0" eaLnBrk="1" latinLnBrk="0" hangingPunct="1">
-              <a:lnSpc>
-                <a:spcPct val="100000"/>
-              </a:lnSpc>
-              <a:spcBef>
-                <a:spcPct val="0"/>
-              </a:spcBef>
-              <a:buNone/>
-              <a:defRPr sz="4000" kern="1200" baseline="0">
-                <a:solidFill>
-                  <a:schemeClr val="tx2"/>
-                </a:solidFill>
-                <a:latin typeface="Arial" charset="0"/>
-                <a:ea typeface="+mj-ea"/>
-                <a:cs typeface="+mj-cs"/>
-              </a:defRPr>
-            </a:lvl1pPr>
-          </a:lstStyle>
-          <a:p>
-            <a:r>
-              <a:rPr lang="fr-BE" dirty="0" err="1"/>
-              <a:t>ChatServerImpl</a:t>
-            </a:r>
-            <a:endParaRPr lang="en-BE" dirty="0"/>
+          <a:lstStyle/>
+          <a:p>
+            <a:r>
+              <a:rPr lang="fr-BE" b="1" dirty="0"/>
+              <a:t>Client</a:t>
+            </a:r>
+            <a:endParaRPr lang="en-BE" b="1" dirty="0">
+              <a:solidFill>
+                <a:srgbClr val="1D8DB0"/>
+              </a:solidFill>
+            </a:endParaRPr>
           </a:p>
         </p:txBody>
       </p:sp>
       <p:pic>
         <p:nvPicPr>
-          <p:cNvPr id="5" name="Afbeelding 4">
+          <p:cNvPr id="6" name="Afbeelding 5">
             <a:extLst>
               <a:ext uri="{FF2B5EF4-FFF2-40B4-BE49-F238E27FC236}">
-                <a16:creationId xmlns:a16="http://schemas.microsoft.com/office/drawing/2014/main" id="{D16354F7-6F50-6828-E690-9439F7B4EFDF}"/>
+                <a16:creationId xmlns:a16="http://schemas.microsoft.com/office/drawing/2014/main" id="{81B13902-F38C-309C-855A-132A51B611C6}"/>
               </a:ext>
             </a:extLst>
           </p:cNvPr>
@@ -5633,8 +5713,8 @@
         </p:blipFill>
         <p:spPr>
           <a:xfrm>
-            <a:off x="2480758" y="1314000"/>
-            <a:ext cx="7230484" cy="4753638"/>
+            <a:off x="1347125" y="1671392"/>
+            <a:ext cx="9497750" cy="3515216"/>
           </a:xfrm>
           <a:prstGeom prst="rect">
             <a:avLst/>
@@ -5644,7 +5724,7 @@
     </p:spTree>
     <p:extLst>
       <p:ext uri="{BB962C8B-B14F-4D97-AF65-F5344CB8AC3E}">
-        <p14:creationId xmlns:p14="http://schemas.microsoft.com/office/powerpoint/2010/main" val="4276970213"/>
+        <p14:creationId xmlns:p14="http://schemas.microsoft.com/office/powerpoint/2010/main" val="2469175595"/>
       </p:ext>
     </p:extLst>
   </p:cSld>
@@ -5742,10 +5822,10 @@
       </p:sp>
       <p:pic>
         <p:nvPicPr>
-          <p:cNvPr id="6" name="Afbeelding 5">
+          <p:cNvPr id="10" name="Afbeelding 9">
             <a:extLst>
               <a:ext uri="{FF2B5EF4-FFF2-40B4-BE49-F238E27FC236}">
-                <a16:creationId xmlns:a16="http://schemas.microsoft.com/office/drawing/2014/main" id="{81B13902-F38C-309C-855A-132A51B611C6}"/>
+                <a16:creationId xmlns:a16="http://schemas.microsoft.com/office/drawing/2014/main" id="{49364D8D-C880-D7B2-B87F-3091E78BDFA6}"/>
               </a:ext>
             </a:extLst>
           </p:cNvPr>
@@ -5755,15 +5835,15 @@
           <p:nvPr/>
         </p:nvPicPr>
         <p:blipFill>
-          <a:blip r:embed="rId2"/>
+          <a:blip r:embed="rId3"/>
           <a:stretch>
             <a:fillRect/>
           </a:stretch>
         </p:blipFill>
         <p:spPr>
           <a:xfrm>
-            <a:off x="1347125" y="1671392"/>
-            <a:ext cx="9497750" cy="3515216"/>
+            <a:off x="2840592" y="937735"/>
+            <a:ext cx="6510816" cy="4982529"/>
           </a:xfrm>
           <a:prstGeom prst="rect">
             <a:avLst/>
@@ -5773,7 +5853,7 @@
     </p:spTree>
     <p:extLst>
       <p:ext uri="{BB962C8B-B14F-4D97-AF65-F5344CB8AC3E}">
-        <p14:creationId xmlns:p14="http://schemas.microsoft.com/office/powerpoint/2010/main" val="2469175595"/>
+        <p14:creationId xmlns:p14="http://schemas.microsoft.com/office/powerpoint/2010/main" val="797873885"/>
       </p:ext>
     </p:extLst>
   </p:cSld>
@@ -5871,10 +5951,10 @@
       </p:sp>
       <p:pic>
         <p:nvPicPr>
-          <p:cNvPr id="10" name="Afbeelding 9">
+          <p:cNvPr id="8" name="Afbeelding 7">
             <a:extLst>
               <a:ext uri="{FF2B5EF4-FFF2-40B4-BE49-F238E27FC236}">
-                <a16:creationId xmlns:a16="http://schemas.microsoft.com/office/drawing/2014/main" id="{49364D8D-C880-D7B2-B87F-3091E78BDFA6}"/>
+                <a16:creationId xmlns:a16="http://schemas.microsoft.com/office/drawing/2014/main" id="{16DE50FF-763A-4769-DB53-AE40C5B2A6C6}"/>
               </a:ext>
             </a:extLst>
           </p:cNvPr>
@@ -5884,15 +5964,15 @@
           <p:nvPr/>
         </p:nvPicPr>
         <p:blipFill>
-          <a:blip r:embed="rId3"/>
+          <a:blip r:embed="rId2"/>
           <a:stretch>
             <a:fillRect/>
           </a:stretch>
         </p:blipFill>
         <p:spPr>
           <a:xfrm>
-            <a:off x="2840592" y="937735"/>
-            <a:ext cx="6510816" cy="4982529"/>
+            <a:off x="2341596" y="1148450"/>
+            <a:ext cx="7508808" cy="4561099"/>
           </a:xfrm>
           <a:prstGeom prst="rect">
             <a:avLst/>
@@ -5902,7 +5982,7 @@
     </p:spTree>
     <p:extLst>
       <p:ext uri="{BB962C8B-B14F-4D97-AF65-F5344CB8AC3E}">
-        <p14:creationId xmlns:p14="http://schemas.microsoft.com/office/powerpoint/2010/main" val="797873885"/>
+        <p14:creationId xmlns:p14="http://schemas.microsoft.com/office/powerpoint/2010/main" val="3634408395"/>
       </p:ext>
     </p:extLst>
   </p:cSld>
@@ -6003,7 +6083,7 @@
           <p:cNvPr id="8" name="Afbeelding 7">
             <a:extLst>
               <a:ext uri="{FF2B5EF4-FFF2-40B4-BE49-F238E27FC236}">
-                <a16:creationId xmlns:a16="http://schemas.microsoft.com/office/drawing/2014/main" id="{16DE50FF-763A-4769-DB53-AE40C5B2A6C6}"/>
+                <a16:creationId xmlns:a16="http://schemas.microsoft.com/office/drawing/2014/main" id="{30C32EF0-8B0E-D7F9-0D27-E170D18AA025}"/>
               </a:ext>
             </a:extLst>
           </p:cNvPr>
@@ -6020,8 +6100,8 @@
         </p:blipFill>
         <p:spPr>
           <a:xfrm>
-            <a:off x="2341596" y="1148450"/>
-            <a:ext cx="7508808" cy="4561099"/>
+            <a:off x="863600" y="1157017"/>
+            <a:ext cx="10464800" cy="4793212"/>
           </a:xfrm>
           <a:prstGeom prst="rect">
             <a:avLst/>
@@ -6031,7 +6111,7 @@
     </p:spTree>
     <p:extLst>
       <p:ext uri="{BB962C8B-B14F-4D97-AF65-F5344CB8AC3E}">
-        <p14:creationId xmlns:p14="http://schemas.microsoft.com/office/powerpoint/2010/main" val="3634408395"/>
+        <p14:creationId xmlns:p14="http://schemas.microsoft.com/office/powerpoint/2010/main" val="834462749"/>
       </p:ext>
     </p:extLst>
   </p:cSld>
@@ -6129,10 +6209,10 @@
       </p:sp>
       <p:pic>
         <p:nvPicPr>
-          <p:cNvPr id="8" name="Afbeelding 7">
+          <p:cNvPr id="6" name="Afbeelding 5">
             <a:extLst>
               <a:ext uri="{FF2B5EF4-FFF2-40B4-BE49-F238E27FC236}">
-                <a16:creationId xmlns:a16="http://schemas.microsoft.com/office/drawing/2014/main" id="{30C32EF0-8B0E-D7F9-0D27-E170D18AA025}"/>
+                <a16:creationId xmlns:a16="http://schemas.microsoft.com/office/drawing/2014/main" id="{51B0823E-E7FD-156B-4D76-FA43F2E72208}"/>
               </a:ext>
             </a:extLst>
           </p:cNvPr>
@@ -6149,8 +6229,38 @@
         </p:blipFill>
         <p:spPr>
           <a:xfrm>
-            <a:off x="863600" y="1157017"/>
-            <a:ext cx="10464800" cy="4793212"/>
+            <a:off x="3427542" y="481286"/>
+            <a:ext cx="7697658" cy="2947714"/>
+          </a:xfrm>
+          <a:prstGeom prst="rect">
+            <a:avLst/>
+          </a:prstGeom>
+        </p:spPr>
+      </p:pic>
+      <p:pic>
+        <p:nvPicPr>
+          <p:cNvPr id="9" name="Afbeelding 8">
+            <a:extLst>
+              <a:ext uri="{FF2B5EF4-FFF2-40B4-BE49-F238E27FC236}">
+                <a16:creationId xmlns:a16="http://schemas.microsoft.com/office/drawing/2014/main" id="{D2B783E7-421F-4651-588A-2644B669ACEF}"/>
+              </a:ext>
+            </a:extLst>
+          </p:cNvPr>
+          <p:cNvPicPr>
+            <a:picLocks noChangeAspect="1"/>
+          </p:cNvPicPr>
+          <p:nvPr/>
+        </p:nvPicPr>
+        <p:blipFill>
+          <a:blip r:embed="rId3"/>
+          <a:stretch>
+            <a:fillRect/>
+          </a:stretch>
+        </p:blipFill>
+        <p:spPr>
+          <a:xfrm>
+            <a:off x="1224000" y="3581709"/>
+            <a:ext cx="9652000" cy="2481102"/>
           </a:xfrm>
           <a:prstGeom prst="rect">
             <a:avLst/>
@@ -6160,7 +6270,7 @@
     </p:spTree>
     <p:extLst>
       <p:ext uri="{BB962C8B-B14F-4D97-AF65-F5344CB8AC3E}">
-        <p14:creationId xmlns:p14="http://schemas.microsoft.com/office/powerpoint/2010/main" val="834462749"/>
+        <p14:creationId xmlns:p14="http://schemas.microsoft.com/office/powerpoint/2010/main" val="1676380900"/>
       </p:ext>
     </p:extLst>
   </p:cSld>
@@ -6211,165 +6321,6 @@
             <a:fld id="{0A297500-7527-634B-90F4-69D0994C32B4}" type="slidenum">
               <a:rPr lang="nl-NL" smtClean="0"/>
               <a:t>15</a:t>
-            </a:fld>
-            <a:endParaRPr lang="nl-NL"/>
-          </a:p>
-        </p:txBody>
-      </p:sp>
-      <p:sp>
-        <p:nvSpPr>
-          <p:cNvPr id="4" name="Title 3">
-            <a:extLst>
-              <a:ext uri="{FF2B5EF4-FFF2-40B4-BE49-F238E27FC236}">
-                <a16:creationId xmlns:a16="http://schemas.microsoft.com/office/drawing/2014/main" id="{21F9D554-1CBF-450D-B428-B4B9F201A936}"/>
-              </a:ext>
-            </a:extLst>
-          </p:cNvPr>
-          <p:cNvSpPr>
-            <a:spLocks noGrp="1"/>
-          </p:cNvSpPr>
-          <p:nvPr>
-            <p:ph type="title"/>
-          </p:nvPr>
-        </p:nvSpPr>
-        <p:spPr>
-          <a:xfrm>
-            <a:off x="575400" y="207036"/>
-            <a:ext cx="11041200" cy="1152000"/>
-          </a:xfrm>
-        </p:spPr>
-        <p:txBody>
-          <a:bodyPr>
-            <a:normAutofit/>
-          </a:bodyPr>
-          <a:lstStyle/>
-          <a:p>
-            <a:r>
-              <a:rPr lang="fr-BE" b="1" dirty="0"/>
-              <a:t>Client</a:t>
-            </a:r>
-            <a:endParaRPr lang="en-BE" b="1" dirty="0">
-              <a:solidFill>
-                <a:srgbClr val="1D8DB0"/>
-              </a:solidFill>
-            </a:endParaRPr>
-          </a:p>
-        </p:txBody>
-      </p:sp>
-      <p:pic>
-        <p:nvPicPr>
-          <p:cNvPr id="6" name="Afbeelding 5">
-            <a:extLst>
-              <a:ext uri="{FF2B5EF4-FFF2-40B4-BE49-F238E27FC236}">
-                <a16:creationId xmlns:a16="http://schemas.microsoft.com/office/drawing/2014/main" id="{51B0823E-E7FD-156B-4D76-FA43F2E72208}"/>
-              </a:ext>
-            </a:extLst>
-          </p:cNvPr>
-          <p:cNvPicPr>
-            <a:picLocks noChangeAspect="1"/>
-          </p:cNvPicPr>
-          <p:nvPr/>
-        </p:nvPicPr>
-        <p:blipFill>
-          <a:blip r:embed="rId2"/>
-          <a:stretch>
-            <a:fillRect/>
-          </a:stretch>
-        </p:blipFill>
-        <p:spPr>
-          <a:xfrm>
-            <a:off x="3427542" y="481286"/>
-            <a:ext cx="7697658" cy="2947714"/>
-          </a:xfrm>
-          <a:prstGeom prst="rect">
-            <a:avLst/>
-          </a:prstGeom>
-        </p:spPr>
-      </p:pic>
-      <p:pic>
-        <p:nvPicPr>
-          <p:cNvPr id="9" name="Afbeelding 8">
-            <a:extLst>
-              <a:ext uri="{FF2B5EF4-FFF2-40B4-BE49-F238E27FC236}">
-                <a16:creationId xmlns:a16="http://schemas.microsoft.com/office/drawing/2014/main" id="{D2B783E7-421F-4651-588A-2644B669ACEF}"/>
-              </a:ext>
-            </a:extLst>
-          </p:cNvPr>
-          <p:cNvPicPr>
-            <a:picLocks noChangeAspect="1"/>
-          </p:cNvPicPr>
-          <p:nvPr/>
-        </p:nvPicPr>
-        <p:blipFill>
-          <a:blip r:embed="rId3"/>
-          <a:stretch>
-            <a:fillRect/>
-          </a:stretch>
-        </p:blipFill>
-        <p:spPr>
-          <a:xfrm>
-            <a:off x="1224000" y="3581709"/>
-            <a:ext cx="9652000" cy="2481102"/>
-          </a:xfrm>
-          <a:prstGeom prst="rect">
-            <a:avLst/>
-          </a:prstGeom>
-        </p:spPr>
-      </p:pic>
-    </p:spTree>
-    <p:extLst>
-      <p:ext uri="{BB962C8B-B14F-4D97-AF65-F5344CB8AC3E}">
-        <p14:creationId xmlns:p14="http://schemas.microsoft.com/office/powerpoint/2010/main" val="1676380900"/>
-      </p:ext>
-    </p:extLst>
-  </p:cSld>
-  <p:clrMapOvr>
-    <a:masterClrMapping/>
-  </p:clrMapOvr>
-</p:sld>
-</file>
-
-<file path=ppt/slides/slide16.xml><?xml version="1.0" encoding="utf-8"?>
-<p:sld xmlns:a="http://schemas.openxmlformats.org/drawingml/2006/main" xmlns:r="http://schemas.openxmlformats.org/officeDocument/2006/relationships" xmlns:p="http://schemas.openxmlformats.org/presentationml/2006/main">
-  <p:cSld>
-    <p:spTree>
-      <p:nvGrpSpPr>
-        <p:cNvPr id="1" name=""/>
-        <p:cNvGrpSpPr/>
-        <p:nvPr/>
-      </p:nvGrpSpPr>
-      <p:grpSpPr>
-        <a:xfrm>
-          <a:off x="0" y="0"/>
-          <a:ext cx="0" cy="0"/>
-          <a:chOff x="0" y="0"/>
-          <a:chExt cx="0" cy="0"/>
-        </a:xfrm>
-      </p:grpSpPr>
-      <p:sp>
-        <p:nvSpPr>
-          <p:cNvPr id="3" name="Slide Number Placeholder 2">
-            <a:extLst>
-              <a:ext uri="{FF2B5EF4-FFF2-40B4-BE49-F238E27FC236}">
-                <a16:creationId xmlns:a16="http://schemas.microsoft.com/office/drawing/2014/main" id="{B794388B-511E-4BA5-9A82-3DEDFA978E92}"/>
-              </a:ext>
-            </a:extLst>
-          </p:cNvPr>
-          <p:cNvSpPr>
-            <a:spLocks noGrp="1"/>
-          </p:cNvSpPr>
-          <p:nvPr>
-            <p:ph type="sldNum" sz="quarter" idx="12"/>
-          </p:nvPr>
-        </p:nvSpPr>
-        <p:spPr/>
-        <p:txBody>
-          <a:bodyPr/>
-          <a:lstStyle/>
-          <a:p>
-            <a:fld id="{0A297500-7527-634B-90F4-69D0994C32B4}" type="slidenum">
-              <a:rPr lang="nl-NL" smtClean="0"/>
-              <a:t>16</a:t>
             </a:fld>
             <a:endParaRPr lang="nl-NL"/>
           </a:p>
@@ -6518,7 +6469,7 @@
         </p:nvSpPr>
         <p:spPr>
           <a:xfrm>
-            <a:off x="1948168" y="681005"/>
+            <a:off x="576000" y="525635"/>
             <a:ext cx="8295664" cy="769441"/>
           </a:xfrm>
           <a:prstGeom prst="rect">
@@ -6533,43 +6484,764 @@
           <a:lstStyle/>
           <a:p>
             <a:r>
-              <a:rPr lang="nl-NL" sz="4400" dirty="0" err="1"/>
-              <a:t>Main</a:t>
+              <a:rPr lang="nl-NL" sz="4400" dirty="0"/>
+              <a:t>Structuur</a:t>
             </a:r>
             <a:endParaRPr lang="nl-BE" sz="4400" dirty="0"/>
           </a:p>
         </p:txBody>
       </p:sp>
-      <p:pic>
-        <p:nvPicPr>
-          <p:cNvPr id="6" name="Afbeelding 5">
+      <p:sp>
+        <p:nvSpPr>
+          <p:cNvPr id="3" name="Rechthoek 2">
             <a:extLst>
               <a:ext uri="{FF2B5EF4-FFF2-40B4-BE49-F238E27FC236}">
-                <a16:creationId xmlns:a16="http://schemas.microsoft.com/office/drawing/2014/main" id="{0EE66899-C7C9-FAFE-ACA8-AC9CED1BBAE7}"/>
+                <a16:creationId xmlns:a16="http://schemas.microsoft.com/office/drawing/2014/main" id="{F599273E-22B2-4933-522E-8689E7A8267B}"/>
               </a:ext>
             </a:extLst>
           </p:cNvPr>
-          <p:cNvPicPr>
-            <a:picLocks noChangeAspect="1"/>
-          </p:cNvPicPr>
+          <p:cNvSpPr/>
           <p:nvPr/>
-        </p:nvPicPr>
-        <p:blipFill>
-          <a:blip r:embed="rId3"/>
-          <a:stretch>
-            <a:fillRect/>
-          </a:stretch>
-        </p:blipFill>
-        <p:spPr>
-          <a:xfrm>
-            <a:off x="1948168" y="1986020"/>
-            <a:ext cx="8295664" cy="3768431"/>
+        </p:nvSpPr>
+        <p:spPr>
+          <a:xfrm>
+            <a:off x="820270" y="2327486"/>
+            <a:ext cx="2326342" cy="769441"/>
           </a:xfrm>
           <a:prstGeom prst="rect">
             <a:avLst/>
           </a:prstGeom>
         </p:spPr>
-      </p:pic>
+        <p:style>
+          <a:lnRef idx="2">
+            <a:schemeClr val="accent1">
+              <a:shade val="15000"/>
+            </a:schemeClr>
+          </a:lnRef>
+          <a:fillRef idx="1">
+            <a:schemeClr val="accent1"/>
+          </a:fillRef>
+          <a:effectRef idx="0">
+            <a:schemeClr val="accent1"/>
+          </a:effectRef>
+          <a:fontRef idx="minor">
+            <a:schemeClr val="lt1"/>
+          </a:fontRef>
+        </p:style>
+        <p:txBody>
+          <a:bodyPr rtlCol="0" anchor="ctr"/>
+          <a:lstStyle/>
+          <a:p>
+            <a:pPr algn="ctr"/>
+            <a:endParaRPr lang="nl-BE"/>
+          </a:p>
+        </p:txBody>
+      </p:sp>
+      <p:sp>
+        <p:nvSpPr>
+          <p:cNvPr id="4" name="Rechthoek 3">
+            <a:extLst>
+              <a:ext uri="{FF2B5EF4-FFF2-40B4-BE49-F238E27FC236}">
+                <a16:creationId xmlns:a16="http://schemas.microsoft.com/office/drawing/2014/main" id="{3712EFEA-B452-AEBC-0F52-DCF4A0C80D38}"/>
+              </a:ext>
+            </a:extLst>
+          </p:cNvPr>
+          <p:cNvSpPr/>
+          <p:nvPr/>
+        </p:nvSpPr>
+        <p:spPr>
+          <a:xfrm>
+            <a:off x="820270" y="3585593"/>
+            <a:ext cx="2326342" cy="769441"/>
+          </a:xfrm>
+          <a:prstGeom prst="rect">
+            <a:avLst/>
+          </a:prstGeom>
+        </p:spPr>
+        <p:style>
+          <a:lnRef idx="2">
+            <a:schemeClr val="accent1">
+              <a:shade val="15000"/>
+            </a:schemeClr>
+          </a:lnRef>
+          <a:fillRef idx="1">
+            <a:schemeClr val="accent1"/>
+          </a:fillRef>
+          <a:effectRef idx="0">
+            <a:schemeClr val="accent1"/>
+          </a:effectRef>
+          <a:fontRef idx="minor">
+            <a:schemeClr val="lt1"/>
+          </a:fontRef>
+        </p:style>
+        <p:txBody>
+          <a:bodyPr rtlCol="0" anchor="ctr"/>
+          <a:lstStyle/>
+          <a:p>
+            <a:pPr algn="ctr"/>
+            <a:endParaRPr lang="nl-BE"/>
+          </a:p>
+        </p:txBody>
+      </p:sp>
+      <p:sp>
+        <p:nvSpPr>
+          <p:cNvPr id="7" name="Rechthoek: afgeronde hoeken 6">
+            <a:extLst>
+              <a:ext uri="{FF2B5EF4-FFF2-40B4-BE49-F238E27FC236}">
+                <a16:creationId xmlns:a16="http://schemas.microsoft.com/office/drawing/2014/main" id="{B30F4E86-B639-FDF7-AC94-2F1BB2C80D8D}"/>
+              </a:ext>
+            </a:extLst>
+          </p:cNvPr>
+          <p:cNvSpPr/>
+          <p:nvPr/>
+        </p:nvSpPr>
+        <p:spPr>
+          <a:xfrm>
+            <a:off x="3523129" y="2765322"/>
+            <a:ext cx="3361765" cy="1175139"/>
+          </a:xfrm>
+          <a:prstGeom prst="roundRect">
+            <a:avLst/>
+          </a:prstGeom>
+        </p:spPr>
+        <p:style>
+          <a:lnRef idx="2">
+            <a:schemeClr val="dk1">
+              <a:shade val="15000"/>
+            </a:schemeClr>
+          </a:lnRef>
+          <a:fillRef idx="1">
+            <a:schemeClr val="dk1"/>
+          </a:fillRef>
+          <a:effectRef idx="0">
+            <a:schemeClr val="dk1"/>
+          </a:effectRef>
+          <a:fontRef idx="minor">
+            <a:schemeClr val="lt1"/>
+          </a:fontRef>
+        </p:style>
+        <p:txBody>
+          <a:bodyPr rtlCol="0" anchor="ctr"/>
+          <a:lstStyle/>
+          <a:p>
+            <a:pPr algn="ctr"/>
+            <a:endParaRPr lang="nl-BE"/>
+          </a:p>
+        </p:txBody>
+      </p:sp>
+      <p:sp>
+        <p:nvSpPr>
+          <p:cNvPr id="8" name="Ovaal 7">
+            <a:extLst>
+              <a:ext uri="{FF2B5EF4-FFF2-40B4-BE49-F238E27FC236}">
+                <a16:creationId xmlns:a16="http://schemas.microsoft.com/office/drawing/2014/main" id="{6202CEFE-9C67-9657-783A-078DB13E0844}"/>
+              </a:ext>
+            </a:extLst>
+          </p:cNvPr>
+          <p:cNvSpPr/>
+          <p:nvPr/>
+        </p:nvSpPr>
+        <p:spPr>
+          <a:xfrm>
+            <a:off x="7853082" y="2030506"/>
+            <a:ext cx="3361765" cy="769441"/>
+          </a:xfrm>
+          <a:prstGeom prst="ellipse">
+            <a:avLst/>
+          </a:prstGeom>
+        </p:spPr>
+        <p:style>
+          <a:lnRef idx="2">
+            <a:schemeClr val="accent1">
+              <a:shade val="15000"/>
+            </a:schemeClr>
+          </a:lnRef>
+          <a:fillRef idx="1">
+            <a:schemeClr val="accent1"/>
+          </a:fillRef>
+          <a:effectRef idx="0">
+            <a:schemeClr val="accent1"/>
+          </a:effectRef>
+          <a:fontRef idx="minor">
+            <a:schemeClr val="lt1"/>
+          </a:fontRef>
+        </p:style>
+        <p:txBody>
+          <a:bodyPr rtlCol="0" anchor="ctr"/>
+          <a:lstStyle/>
+          <a:p>
+            <a:pPr algn="ctr"/>
+            <a:endParaRPr lang="nl-BE"/>
+          </a:p>
+        </p:txBody>
+      </p:sp>
+      <p:sp>
+        <p:nvSpPr>
+          <p:cNvPr id="9" name="Ovaal 8">
+            <a:extLst>
+              <a:ext uri="{FF2B5EF4-FFF2-40B4-BE49-F238E27FC236}">
+                <a16:creationId xmlns:a16="http://schemas.microsoft.com/office/drawing/2014/main" id="{0C96ED3A-BAE7-134A-D70E-AF83FCA72E1B}"/>
+              </a:ext>
+            </a:extLst>
+          </p:cNvPr>
+          <p:cNvSpPr/>
+          <p:nvPr/>
+        </p:nvSpPr>
+        <p:spPr>
+          <a:xfrm>
+            <a:off x="7853080" y="2944907"/>
+            <a:ext cx="3361765" cy="769441"/>
+          </a:xfrm>
+          <a:prstGeom prst="ellipse">
+            <a:avLst/>
+          </a:prstGeom>
+        </p:spPr>
+        <p:style>
+          <a:lnRef idx="2">
+            <a:schemeClr val="accent1">
+              <a:shade val="15000"/>
+            </a:schemeClr>
+          </a:lnRef>
+          <a:fillRef idx="1">
+            <a:schemeClr val="accent1"/>
+          </a:fillRef>
+          <a:effectRef idx="0">
+            <a:schemeClr val="accent1"/>
+          </a:effectRef>
+          <a:fontRef idx="minor">
+            <a:schemeClr val="lt1"/>
+          </a:fontRef>
+        </p:style>
+        <p:txBody>
+          <a:bodyPr rtlCol="0" anchor="ctr"/>
+          <a:lstStyle/>
+          <a:p>
+            <a:pPr algn="ctr"/>
+            <a:endParaRPr lang="nl-BE"/>
+          </a:p>
+        </p:txBody>
+      </p:sp>
+      <p:sp>
+        <p:nvSpPr>
+          <p:cNvPr id="10" name="Ovaal 9">
+            <a:extLst>
+              <a:ext uri="{FF2B5EF4-FFF2-40B4-BE49-F238E27FC236}">
+                <a16:creationId xmlns:a16="http://schemas.microsoft.com/office/drawing/2014/main" id="{6986885D-4FFB-BA93-541B-C78F1ACFC8D3}"/>
+              </a:ext>
+            </a:extLst>
+          </p:cNvPr>
+          <p:cNvSpPr/>
+          <p:nvPr/>
+        </p:nvSpPr>
+        <p:spPr>
+          <a:xfrm>
+            <a:off x="7853082" y="3859307"/>
+            <a:ext cx="3361765" cy="769441"/>
+          </a:xfrm>
+          <a:prstGeom prst="ellipse">
+            <a:avLst/>
+          </a:prstGeom>
+        </p:spPr>
+        <p:style>
+          <a:lnRef idx="2">
+            <a:schemeClr val="accent1">
+              <a:shade val="15000"/>
+            </a:schemeClr>
+          </a:lnRef>
+          <a:fillRef idx="1">
+            <a:schemeClr val="accent1"/>
+          </a:fillRef>
+          <a:effectRef idx="0">
+            <a:schemeClr val="accent1"/>
+          </a:effectRef>
+          <a:fontRef idx="minor">
+            <a:schemeClr val="lt1"/>
+          </a:fontRef>
+        </p:style>
+        <p:txBody>
+          <a:bodyPr rtlCol="0" anchor="ctr"/>
+          <a:lstStyle/>
+          <a:p>
+            <a:pPr algn="ctr"/>
+            <a:endParaRPr lang="nl-BE" dirty="0"/>
+          </a:p>
+        </p:txBody>
+      </p:sp>
+      <p:cxnSp>
+        <p:nvCxnSpPr>
+          <p:cNvPr id="12" name="Rechte verbindingslijn met pijl 11">
+            <a:extLst>
+              <a:ext uri="{FF2B5EF4-FFF2-40B4-BE49-F238E27FC236}">
+                <a16:creationId xmlns:a16="http://schemas.microsoft.com/office/drawing/2014/main" id="{4D1DE064-992F-149E-F406-B8A30DEE55E1}"/>
+              </a:ext>
+            </a:extLst>
+          </p:cNvPr>
+          <p:cNvCxnSpPr>
+            <a:stCxn id="3" idx="3"/>
+            <a:endCxn id="7" idx="1"/>
+          </p:cNvCxnSpPr>
+          <p:nvPr/>
+        </p:nvCxnSpPr>
+        <p:spPr>
+          <a:xfrm>
+            <a:off x="3146612" y="2712207"/>
+            <a:ext cx="376517" cy="640685"/>
+          </a:xfrm>
+          <a:prstGeom prst="straightConnector1">
+            <a:avLst/>
+          </a:prstGeom>
+          <a:ln>
+            <a:tailEnd type="triangle"/>
+          </a:ln>
+        </p:spPr>
+        <p:style>
+          <a:lnRef idx="1">
+            <a:schemeClr val="dk1"/>
+          </a:lnRef>
+          <a:fillRef idx="0">
+            <a:schemeClr val="dk1"/>
+          </a:fillRef>
+          <a:effectRef idx="0">
+            <a:schemeClr val="dk1"/>
+          </a:effectRef>
+          <a:fontRef idx="minor">
+            <a:schemeClr val="tx1"/>
+          </a:fontRef>
+        </p:style>
+      </p:cxnSp>
+      <p:cxnSp>
+        <p:nvCxnSpPr>
+          <p:cNvPr id="14" name="Rechte verbindingslijn met pijl 13">
+            <a:extLst>
+              <a:ext uri="{FF2B5EF4-FFF2-40B4-BE49-F238E27FC236}">
+                <a16:creationId xmlns:a16="http://schemas.microsoft.com/office/drawing/2014/main" id="{E2BD842C-38DD-B6D8-8F90-33650D0E9083}"/>
+              </a:ext>
+            </a:extLst>
+          </p:cNvPr>
+          <p:cNvCxnSpPr>
+            <a:stCxn id="4" idx="3"/>
+            <a:endCxn id="7" idx="1"/>
+          </p:cNvCxnSpPr>
+          <p:nvPr/>
+        </p:nvCxnSpPr>
+        <p:spPr>
+          <a:xfrm flipV="1">
+            <a:off x="3146612" y="3352892"/>
+            <a:ext cx="376517" cy="617422"/>
+          </a:xfrm>
+          <a:prstGeom prst="straightConnector1">
+            <a:avLst/>
+          </a:prstGeom>
+          <a:ln>
+            <a:tailEnd type="triangle"/>
+          </a:ln>
+        </p:spPr>
+        <p:style>
+          <a:lnRef idx="1">
+            <a:schemeClr val="accent1"/>
+          </a:lnRef>
+          <a:fillRef idx="0">
+            <a:schemeClr val="accent1"/>
+          </a:fillRef>
+          <a:effectRef idx="0">
+            <a:schemeClr val="accent1"/>
+          </a:effectRef>
+          <a:fontRef idx="minor">
+            <a:schemeClr val="tx1"/>
+          </a:fontRef>
+        </p:style>
+      </p:cxnSp>
+      <p:cxnSp>
+        <p:nvCxnSpPr>
+          <p:cNvPr id="16" name="Rechte verbindingslijn met pijl 15">
+            <a:extLst>
+              <a:ext uri="{FF2B5EF4-FFF2-40B4-BE49-F238E27FC236}">
+                <a16:creationId xmlns:a16="http://schemas.microsoft.com/office/drawing/2014/main" id="{D4A59A40-7E8D-5B88-7ADF-F5F1CEB10CD1}"/>
+              </a:ext>
+            </a:extLst>
+          </p:cNvPr>
+          <p:cNvCxnSpPr>
+            <a:cxnSpLocks/>
+            <a:stCxn id="7" idx="3"/>
+            <a:endCxn id="10" idx="2"/>
+          </p:cNvCxnSpPr>
+          <p:nvPr/>
+        </p:nvCxnSpPr>
+        <p:spPr>
+          <a:xfrm>
+            <a:off x="6884894" y="3352892"/>
+            <a:ext cx="968188" cy="891136"/>
+          </a:xfrm>
+          <a:prstGeom prst="straightConnector1">
+            <a:avLst/>
+          </a:prstGeom>
+          <a:ln>
+            <a:tailEnd type="triangle"/>
+          </a:ln>
+        </p:spPr>
+        <p:style>
+          <a:lnRef idx="1">
+            <a:schemeClr val="accent1"/>
+          </a:lnRef>
+          <a:fillRef idx="0">
+            <a:schemeClr val="accent1"/>
+          </a:fillRef>
+          <a:effectRef idx="0">
+            <a:schemeClr val="accent1"/>
+          </a:effectRef>
+          <a:fontRef idx="minor">
+            <a:schemeClr val="tx1"/>
+          </a:fontRef>
+        </p:style>
+      </p:cxnSp>
+      <p:cxnSp>
+        <p:nvCxnSpPr>
+          <p:cNvPr id="18" name="Rechte verbindingslijn met pijl 17">
+            <a:extLst>
+              <a:ext uri="{FF2B5EF4-FFF2-40B4-BE49-F238E27FC236}">
+                <a16:creationId xmlns:a16="http://schemas.microsoft.com/office/drawing/2014/main" id="{558C7CB8-529A-B1A9-D346-C7B32031C761}"/>
+              </a:ext>
+            </a:extLst>
+          </p:cNvPr>
+          <p:cNvCxnSpPr>
+            <a:stCxn id="7" idx="3"/>
+            <a:endCxn id="9" idx="2"/>
+          </p:cNvCxnSpPr>
+          <p:nvPr/>
+        </p:nvCxnSpPr>
+        <p:spPr>
+          <a:xfrm flipV="1">
+            <a:off x="6884894" y="3329628"/>
+            <a:ext cx="968186" cy="23264"/>
+          </a:xfrm>
+          <a:prstGeom prst="straightConnector1">
+            <a:avLst/>
+          </a:prstGeom>
+          <a:ln>
+            <a:tailEnd type="triangle"/>
+          </a:ln>
+        </p:spPr>
+        <p:style>
+          <a:lnRef idx="1">
+            <a:schemeClr val="accent1"/>
+          </a:lnRef>
+          <a:fillRef idx="0">
+            <a:schemeClr val="accent1"/>
+          </a:fillRef>
+          <a:effectRef idx="0">
+            <a:schemeClr val="accent1"/>
+          </a:effectRef>
+          <a:fontRef idx="minor">
+            <a:schemeClr val="tx1"/>
+          </a:fontRef>
+        </p:style>
+      </p:cxnSp>
+      <p:cxnSp>
+        <p:nvCxnSpPr>
+          <p:cNvPr id="20" name="Rechte verbindingslijn met pijl 19">
+            <a:extLst>
+              <a:ext uri="{FF2B5EF4-FFF2-40B4-BE49-F238E27FC236}">
+                <a16:creationId xmlns:a16="http://schemas.microsoft.com/office/drawing/2014/main" id="{23F26BC8-9A55-6965-B3CC-37600DD3BEC0}"/>
+              </a:ext>
+            </a:extLst>
+          </p:cNvPr>
+          <p:cNvCxnSpPr>
+            <a:stCxn id="7" idx="3"/>
+            <a:endCxn id="8" idx="2"/>
+          </p:cNvCxnSpPr>
+          <p:nvPr/>
+        </p:nvCxnSpPr>
+        <p:spPr>
+          <a:xfrm flipV="1">
+            <a:off x="6884894" y="2415227"/>
+            <a:ext cx="968188" cy="937665"/>
+          </a:xfrm>
+          <a:prstGeom prst="straightConnector1">
+            <a:avLst/>
+          </a:prstGeom>
+          <a:ln>
+            <a:tailEnd type="triangle"/>
+          </a:ln>
+        </p:spPr>
+        <p:style>
+          <a:lnRef idx="1">
+            <a:schemeClr val="accent1"/>
+          </a:lnRef>
+          <a:fillRef idx="0">
+            <a:schemeClr val="accent1"/>
+          </a:fillRef>
+          <a:effectRef idx="0">
+            <a:schemeClr val="accent1"/>
+          </a:effectRef>
+          <a:fontRef idx="minor">
+            <a:schemeClr val="tx1"/>
+          </a:fontRef>
+        </p:style>
+      </p:cxnSp>
+      <p:sp>
+        <p:nvSpPr>
+          <p:cNvPr id="25" name="Tekstvak 24">
+            <a:extLst>
+              <a:ext uri="{FF2B5EF4-FFF2-40B4-BE49-F238E27FC236}">
+                <a16:creationId xmlns:a16="http://schemas.microsoft.com/office/drawing/2014/main" id="{6E7328E4-6CB9-6B76-18CD-BE1DAEE63248}"/>
+              </a:ext>
+            </a:extLst>
+          </p:cNvPr>
+          <p:cNvSpPr txBox="1"/>
+          <p:nvPr/>
+        </p:nvSpPr>
+        <p:spPr>
+          <a:xfrm>
+            <a:off x="4101353" y="3110427"/>
+            <a:ext cx="2447365" cy="461665"/>
+          </a:xfrm>
+          <a:prstGeom prst="rect">
+            <a:avLst/>
+          </a:prstGeom>
+          <a:noFill/>
+        </p:spPr>
+        <p:txBody>
+          <a:bodyPr wrap="square" rtlCol="0">
+            <a:spAutoFit/>
+          </a:bodyPr>
+          <a:lstStyle/>
+          <a:p>
+            <a:r>
+              <a:rPr lang="nl-NL" sz="2400" dirty="0" err="1">
+                <a:solidFill>
+                  <a:schemeClr val="bg1"/>
+                </a:solidFill>
+              </a:rPr>
+              <a:t>LoadBalancer</a:t>
+            </a:r>
+            <a:endParaRPr lang="nl-BE" sz="2400" dirty="0">
+              <a:solidFill>
+                <a:schemeClr val="bg1"/>
+              </a:solidFill>
+            </a:endParaRPr>
+          </a:p>
+        </p:txBody>
+      </p:sp>
+      <p:sp>
+        <p:nvSpPr>
+          <p:cNvPr id="26" name="Tekstvak 25">
+            <a:extLst>
+              <a:ext uri="{FF2B5EF4-FFF2-40B4-BE49-F238E27FC236}">
+                <a16:creationId xmlns:a16="http://schemas.microsoft.com/office/drawing/2014/main" id="{CF4379C2-822E-FDBD-3D3B-4D55CEA5E129}"/>
+              </a:ext>
+            </a:extLst>
+          </p:cNvPr>
+          <p:cNvSpPr txBox="1"/>
+          <p:nvPr/>
+        </p:nvSpPr>
+        <p:spPr>
+          <a:xfrm>
+            <a:off x="1506069" y="2451521"/>
+            <a:ext cx="2447365" cy="461665"/>
+          </a:xfrm>
+          <a:prstGeom prst="rect">
+            <a:avLst/>
+          </a:prstGeom>
+          <a:noFill/>
+        </p:spPr>
+        <p:txBody>
+          <a:bodyPr wrap="square" rtlCol="0">
+            <a:spAutoFit/>
+          </a:bodyPr>
+          <a:lstStyle/>
+          <a:p>
+            <a:r>
+              <a:rPr lang="nl-NL" sz="2400" dirty="0">
+                <a:solidFill>
+                  <a:schemeClr val="bg1"/>
+                </a:solidFill>
+              </a:rPr>
+              <a:t>Client</a:t>
+            </a:r>
+            <a:endParaRPr lang="nl-BE" sz="2400" dirty="0">
+              <a:solidFill>
+                <a:schemeClr val="bg1"/>
+              </a:solidFill>
+            </a:endParaRPr>
+          </a:p>
+        </p:txBody>
+      </p:sp>
+      <p:sp>
+        <p:nvSpPr>
+          <p:cNvPr id="27" name="Tekstvak 26">
+            <a:extLst>
+              <a:ext uri="{FF2B5EF4-FFF2-40B4-BE49-F238E27FC236}">
+                <a16:creationId xmlns:a16="http://schemas.microsoft.com/office/drawing/2014/main" id="{E2969543-C977-4DB4-6702-947E36032E14}"/>
+              </a:ext>
+            </a:extLst>
+          </p:cNvPr>
+          <p:cNvSpPr txBox="1"/>
+          <p:nvPr/>
+        </p:nvSpPr>
+        <p:spPr>
+          <a:xfrm>
+            <a:off x="1506069" y="3722017"/>
+            <a:ext cx="2447365" cy="461665"/>
+          </a:xfrm>
+          <a:prstGeom prst="rect">
+            <a:avLst/>
+          </a:prstGeom>
+          <a:noFill/>
+        </p:spPr>
+        <p:txBody>
+          <a:bodyPr wrap="square" rtlCol="0">
+            <a:spAutoFit/>
+          </a:bodyPr>
+          <a:lstStyle/>
+          <a:p>
+            <a:r>
+              <a:rPr lang="nl-NL" sz="2400" dirty="0">
+                <a:solidFill>
+                  <a:schemeClr val="bg1"/>
+                </a:solidFill>
+              </a:rPr>
+              <a:t>Client</a:t>
+            </a:r>
+            <a:endParaRPr lang="nl-BE" sz="2400" dirty="0">
+              <a:solidFill>
+                <a:schemeClr val="bg1"/>
+              </a:solidFill>
+            </a:endParaRPr>
+          </a:p>
+        </p:txBody>
+      </p:sp>
+      <p:sp>
+        <p:nvSpPr>
+          <p:cNvPr id="28" name="Tekstvak 27">
+            <a:extLst>
+              <a:ext uri="{FF2B5EF4-FFF2-40B4-BE49-F238E27FC236}">
+                <a16:creationId xmlns:a16="http://schemas.microsoft.com/office/drawing/2014/main" id="{05F20917-BB06-BF6E-F58B-8AC37AF1223E}"/>
+              </a:ext>
+            </a:extLst>
+          </p:cNvPr>
+          <p:cNvSpPr txBox="1"/>
+          <p:nvPr/>
+        </p:nvSpPr>
+        <p:spPr>
+          <a:xfrm>
+            <a:off x="8659904" y="2184395"/>
+            <a:ext cx="2447365" cy="461665"/>
+          </a:xfrm>
+          <a:prstGeom prst="rect">
+            <a:avLst/>
+          </a:prstGeom>
+          <a:noFill/>
+        </p:spPr>
+        <p:txBody>
+          <a:bodyPr wrap="square" rtlCol="0">
+            <a:spAutoFit/>
+          </a:bodyPr>
+          <a:lstStyle/>
+          <a:p>
+            <a:r>
+              <a:rPr lang="nl-NL" sz="2400" dirty="0" err="1">
+                <a:solidFill>
+                  <a:schemeClr val="bg1"/>
+                </a:solidFill>
+              </a:rPr>
+              <a:t>ChatServer</a:t>
+            </a:r>
+            <a:endParaRPr lang="nl-BE" sz="2400" dirty="0">
+              <a:solidFill>
+                <a:schemeClr val="bg1"/>
+              </a:solidFill>
+            </a:endParaRPr>
+          </a:p>
+        </p:txBody>
+      </p:sp>
+      <p:sp>
+        <p:nvSpPr>
+          <p:cNvPr id="29" name="Tekstvak 28">
+            <a:extLst>
+              <a:ext uri="{FF2B5EF4-FFF2-40B4-BE49-F238E27FC236}">
+                <a16:creationId xmlns:a16="http://schemas.microsoft.com/office/drawing/2014/main" id="{BE1DA123-F865-3FC8-4160-D1ABAE52EEB7}"/>
+              </a:ext>
+            </a:extLst>
+          </p:cNvPr>
+          <p:cNvSpPr txBox="1"/>
+          <p:nvPr/>
+        </p:nvSpPr>
+        <p:spPr>
+          <a:xfrm>
+            <a:off x="8592671" y="3075184"/>
+            <a:ext cx="2447365" cy="461665"/>
+          </a:xfrm>
+          <a:prstGeom prst="rect">
+            <a:avLst/>
+          </a:prstGeom>
+          <a:noFill/>
+        </p:spPr>
+        <p:txBody>
+          <a:bodyPr wrap="square" rtlCol="0">
+            <a:spAutoFit/>
+          </a:bodyPr>
+          <a:lstStyle/>
+          <a:p>
+            <a:r>
+              <a:rPr lang="nl-NL" sz="2400" dirty="0" err="1">
+                <a:solidFill>
+                  <a:schemeClr val="bg1"/>
+                </a:solidFill>
+              </a:rPr>
+              <a:t>ChatServer</a:t>
+            </a:r>
+            <a:endParaRPr lang="nl-BE" sz="2400" dirty="0">
+              <a:solidFill>
+                <a:schemeClr val="bg1"/>
+              </a:solidFill>
+            </a:endParaRPr>
+          </a:p>
+        </p:txBody>
+      </p:sp>
+      <p:sp>
+        <p:nvSpPr>
+          <p:cNvPr id="30" name="Tekstvak 29">
+            <a:extLst>
+              <a:ext uri="{FF2B5EF4-FFF2-40B4-BE49-F238E27FC236}">
+                <a16:creationId xmlns:a16="http://schemas.microsoft.com/office/drawing/2014/main" id="{D025135A-7658-38E0-49AC-3F9CF0676FB1}"/>
+              </a:ext>
+            </a:extLst>
+          </p:cNvPr>
+          <p:cNvSpPr txBox="1"/>
+          <p:nvPr/>
+        </p:nvSpPr>
+        <p:spPr>
+          <a:xfrm>
+            <a:off x="8592670" y="4013194"/>
+            <a:ext cx="2447365" cy="461665"/>
+          </a:xfrm>
+          <a:prstGeom prst="rect">
+            <a:avLst/>
+          </a:prstGeom>
+          <a:noFill/>
+        </p:spPr>
+        <p:txBody>
+          <a:bodyPr wrap="square" rtlCol="0">
+            <a:spAutoFit/>
+          </a:bodyPr>
+          <a:lstStyle/>
+          <a:p>
+            <a:r>
+              <a:rPr lang="nl-NL" sz="2400" dirty="0" err="1">
+                <a:solidFill>
+                  <a:schemeClr val="bg1"/>
+                </a:solidFill>
+              </a:rPr>
+              <a:t>ChatServer</a:t>
+            </a:r>
+            <a:endParaRPr lang="nl-BE" sz="2400" dirty="0">
+              <a:solidFill>
+                <a:schemeClr val="bg1"/>
+              </a:solidFill>
+            </a:endParaRPr>
+          </a:p>
+        </p:txBody>
+      </p:sp>
     </p:spTree>
     <p:extLst>
       <p:ext uri="{BB962C8B-B14F-4D97-AF65-F5344CB8AC3E}">
@@ -6602,10 +7274,10 @@
       </p:grpSpPr>
       <p:sp>
         <p:nvSpPr>
-          <p:cNvPr id="3" name="Slide Number Placeholder 2">
+          <p:cNvPr id="2" name="Slide Number Placeholder 1">
             <a:extLst>
               <a:ext uri="{FF2B5EF4-FFF2-40B4-BE49-F238E27FC236}">
-                <a16:creationId xmlns:a16="http://schemas.microsoft.com/office/drawing/2014/main" id="{978221C0-8831-4654-B7AC-C46410D5DF3D}"/>
+                <a16:creationId xmlns:a16="http://schemas.microsoft.com/office/drawing/2014/main" id="{12608C7B-CE0C-4664-A661-9FF12AE90C28}"/>
               </a:ext>
             </a:extLst>
           </p:cNvPr>
@@ -6621,7 +7293,7 @@
           <a:bodyPr/>
           <a:lstStyle/>
           <a:p>
-            <a:fld id="{0A297500-7527-634B-90F4-69D0994C32B4}" type="slidenum">
+            <a:fld id="{CF179DAE-D0A6-40C3-B8BC-6A97C268D03A}" type="slidenum">
               <a:rPr lang="nl-NL" smtClean="0"/>
               <a:t>3</a:t>
             </a:fld>
@@ -6631,10 +7303,10 @@
       </p:sp>
       <p:sp>
         <p:nvSpPr>
-          <p:cNvPr id="9" name="Tekstvak 8">
+          <p:cNvPr id="5" name="Tekstvak 4">
             <a:extLst>
               <a:ext uri="{FF2B5EF4-FFF2-40B4-BE49-F238E27FC236}">
-                <a16:creationId xmlns:a16="http://schemas.microsoft.com/office/drawing/2014/main" id="{5326D56D-A24D-7F98-19B8-8AF71EA10F55}"/>
+                <a16:creationId xmlns:a16="http://schemas.microsoft.com/office/drawing/2014/main" id="{9B9C8B6E-A5D1-8784-9255-69826655C7F2}"/>
               </a:ext>
             </a:extLst>
           </p:cNvPr>
@@ -6643,8 +7315,8 @@
         </p:nvSpPr>
         <p:spPr>
           <a:xfrm>
-            <a:off x="616323" y="523937"/>
-            <a:ext cx="10959353" cy="707886"/>
+            <a:off x="1948168" y="681005"/>
+            <a:ext cx="8295664" cy="769441"/>
           </a:xfrm>
           <a:prstGeom prst="rect">
             <a:avLst/>
@@ -6658,23 +7330,19 @@
           <a:lstStyle/>
           <a:p>
             <a:r>
-              <a:rPr lang="nl-NL" sz="4000" dirty="0" err="1"/>
-              <a:t>LoadBalancer</a:t>
-            </a:r>
-            <a:r>
-              <a:rPr lang="nl-NL" sz="4000" dirty="0"/>
-              <a:t> Interface</a:t>
-            </a:r>
-            <a:endParaRPr lang="nl-BE" sz="4000" dirty="0"/>
+              <a:rPr lang="nl-NL" sz="4400" dirty="0" err="1"/>
+              <a:t>Main</a:t>
+            </a:r>
+            <a:endParaRPr lang="nl-BE" sz="4400" dirty="0"/>
           </a:p>
         </p:txBody>
       </p:sp>
       <p:pic>
         <p:nvPicPr>
-          <p:cNvPr id="4" name="Afbeelding 3">
+          <p:cNvPr id="6" name="Afbeelding 5">
             <a:extLst>
               <a:ext uri="{FF2B5EF4-FFF2-40B4-BE49-F238E27FC236}">
-                <a16:creationId xmlns:a16="http://schemas.microsoft.com/office/drawing/2014/main" id="{626B9565-02F1-2519-8E95-FA42A67CDB62}"/>
+                <a16:creationId xmlns:a16="http://schemas.microsoft.com/office/drawing/2014/main" id="{0EE66899-C7C9-FAFE-ACA8-AC9CED1BBAE7}"/>
               </a:ext>
             </a:extLst>
           </p:cNvPr>
@@ -6684,15 +7352,15 @@
           <p:nvPr/>
         </p:nvPicPr>
         <p:blipFill>
-          <a:blip r:embed="rId2"/>
+          <a:blip r:embed="rId3"/>
           <a:stretch>
             <a:fillRect/>
           </a:stretch>
         </p:blipFill>
         <p:spPr>
           <a:xfrm>
-            <a:off x="1871073" y="2173664"/>
-            <a:ext cx="8449854" cy="2172003"/>
+            <a:off x="1948168" y="1986020"/>
+            <a:ext cx="8295664" cy="3768431"/>
           </a:xfrm>
           <a:prstGeom prst="rect">
             <a:avLst/>
@@ -6702,7 +7370,7 @@
     </p:spTree>
     <p:extLst>
       <p:ext uri="{BB962C8B-B14F-4D97-AF65-F5344CB8AC3E}">
-        <p14:creationId xmlns:p14="http://schemas.microsoft.com/office/powerpoint/2010/main" val="4128451101"/>
+        <p14:creationId xmlns:p14="http://schemas.microsoft.com/office/powerpoint/2010/main" val="1771385209"/>
       </p:ext>
     </p:extLst>
   </p:cSld>
@@ -7284,7 +7952,7 @@
           <p:cNvPr id="3" name="Slide Number Placeholder 2">
             <a:extLst>
               <a:ext uri="{FF2B5EF4-FFF2-40B4-BE49-F238E27FC236}">
-                <a16:creationId xmlns:a16="http://schemas.microsoft.com/office/drawing/2014/main" id="{81ED1B13-DA0F-4FF1-B1D5-9349E705466F}"/>
+                <a16:creationId xmlns:a16="http://schemas.microsoft.com/office/drawing/2014/main" id="{A6DA73EB-ED03-4580-9441-78550C38495D}"/>
               </a:ext>
             </a:extLst>
           </p:cNvPr>
@@ -7310,37 +7978,54 @@
       </p:sp>
       <p:sp>
         <p:nvSpPr>
-          <p:cNvPr id="4" name="Title 3">
+          <p:cNvPr id="11" name="Title 3">
             <a:extLst>
               <a:ext uri="{FF2B5EF4-FFF2-40B4-BE49-F238E27FC236}">
-                <a16:creationId xmlns:a16="http://schemas.microsoft.com/office/drawing/2014/main" id="{0FF0494C-EC53-4539-B6C8-DDA77D8A39B5}"/>
+                <a16:creationId xmlns:a16="http://schemas.microsoft.com/office/drawing/2014/main" id="{0E3D0304-9085-C51D-3E96-A385D22FD6A2}"/>
               </a:ext>
             </a:extLst>
           </p:cNvPr>
-          <p:cNvSpPr>
-            <a:spLocks noGrp="1"/>
-          </p:cNvSpPr>
-          <p:nvPr>
-            <p:ph type="title"/>
-          </p:nvPr>
-        </p:nvSpPr>
-        <p:spPr>
-          <a:xfrm>
-            <a:off x="328231" y="435405"/>
+          <p:cNvSpPr txBox="1">
+            <a:spLocks/>
+          </p:cNvSpPr>
+          <p:nvPr/>
+        </p:nvSpPr>
+        <p:spPr>
+          <a:xfrm>
+            <a:off x="328231" y="162000"/>
             <a:ext cx="11041200" cy="1152000"/>
           </a:xfrm>
-        </p:spPr>
-        <p:txBody>
-          <a:bodyPr/>
-          <a:lstStyle/>
+          <a:prstGeom prst="rect">
+            <a:avLst/>
+          </a:prstGeom>
+        </p:spPr>
+        <p:txBody>
+          <a:bodyPr vert="horz" lIns="0" tIns="0" rIns="0" bIns="0" rtlCol="0" anchor="ctr" anchorCtr="0">
+            <a:normAutofit/>
+          </a:bodyPr>
+          <a:lstStyle>
+            <a:lvl1pPr algn="l" defTabSz="914400" rtl="0" eaLnBrk="1" latinLnBrk="0" hangingPunct="1">
+              <a:lnSpc>
+                <a:spcPct val="100000"/>
+              </a:lnSpc>
+              <a:spcBef>
+                <a:spcPct val="0"/>
+              </a:spcBef>
+              <a:buNone/>
+              <a:defRPr sz="4000" kern="1200" baseline="0">
+                <a:solidFill>
+                  <a:schemeClr val="tx2"/>
+                </a:solidFill>
+                <a:latin typeface="Arial" charset="0"/>
+                <a:ea typeface="+mj-ea"/>
+                <a:cs typeface="+mj-cs"/>
+              </a:defRPr>
+            </a:lvl1pPr>
+          </a:lstStyle>
           <a:p>
             <a:r>
               <a:rPr lang="fr-BE" dirty="0" err="1"/>
-              <a:t>ChatServer</a:t>
-            </a:r>
-            <a:r>
-              <a:rPr lang="fr-BE" dirty="0"/>
-              <a:t> Interface</a:t>
+              <a:t>ChatServerImpl</a:t>
             </a:r>
             <a:endParaRPr lang="en-BE" dirty="0"/>
           </a:p>
@@ -7348,10 +8033,10 @@
       </p:sp>
       <p:pic>
         <p:nvPicPr>
-          <p:cNvPr id="5" name="Afbeelding 4">
+          <p:cNvPr id="12" name="Afbeelding 11">
             <a:extLst>
               <a:ext uri="{FF2B5EF4-FFF2-40B4-BE49-F238E27FC236}">
-                <a16:creationId xmlns:a16="http://schemas.microsoft.com/office/drawing/2014/main" id="{C7E3A3FD-E3EB-A0D5-F8F9-F047828639E7}"/>
+                <a16:creationId xmlns:a16="http://schemas.microsoft.com/office/drawing/2014/main" id="{658ADFDD-DD23-4EEB-8D67-2466A06EEA2F}"/>
               </a:ext>
             </a:extLst>
           </p:cNvPr>
@@ -7368,8 +8053,38 @@
         </p:blipFill>
         <p:spPr>
           <a:xfrm>
-            <a:off x="1709125" y="2128656"/>
-            <a:ext cx="8773749" cy="2600688"/>
+            <a:off x="1942369" y="1802723"/>
+            <a:ext cx="8307262" cy="255608"/>
+          </a:xfrm>
+          <a:prstGeom prst="rect">
+            <a:avLst/>
+          </a:prstGeom>
+        </p:spPr>
+      </p:pic>
+      <p:pic>
+        <p:nvPicPr>
+          <p:cNvPr id="16" name="Afbeelding 15">
+            <a:extLst>
+              <a:ext uri="{FF2B5EF4-FFF2-40B4-BE49-F238E27FC236}">
+                <a16:creationId xmlns:a16="http://schemas.microsoft.com/office/drawing/2014/main" id="{B509BA39-701F-950E-CDAD-5EE5B56842D0}"/>
+              </a:ext>
+            </a:extLst>
+          </p:cNvPr>
+          <p:cNvPicPr>
+            <a:picLocks noChangeAspect="1"/>
+          </p:cNvPicPr>
+          <p:nvPr/>
+        </p:nvPicPr>
+        <p:blipFill>
+          <a:blip r:embed="rId3"/>
+          <a:stretch>
+            <a:fillRect/>
+          </a:stretch>
+        </p:blipFill>
+        <p:spPr>
+          <a:xfrm>
+            <a:off x="1942369" y="2667410"/>
+            <a:ext cx="8307262" cy="2637362"/>
           </a:xfrm>
           <a:prstGeom prst="rect">
             <a:avLst/>
@@ -7379,7 +8094,7 @@
     </p:spTree>
     <p:extLst>
       <p:ext uri="{BB962C8B-B14F-4D97-AF65-F5344CB8AC3E}">
-        <p14:creationId xmlns:p14="http://schemas.microsoft.com/office/powerpoint/2010/main" val="1436318680"/>
+        <p14:creationId xmlns:p14="http://schemas.microsoft.com/office/powerpoint/2010/main" val="3566096569"/>
       </p:ext>
     </p:extLst>
   </p:cSld>
@@ -7492,10 +8207,10 @@
       </p:sp>
       <p:pic>
         <p:nvPicPr>
-          <p:cNvPr id="12" name="Afbeelding 11">
+          <p:cNvPr id="5" name="Afbeelding 4">
             <a:extLst>
               <a:ext uri="{FF2B5EF4-FFF2-40B4-BE49-F238E27FC236}">
-                <a16:creationId xmlns:a16="http://schemas.microsoft.com/office/drawing/2014/main" id="{658ADFDD-DD23-4EEB-8D67-2466A06EEA2F}"/>
+                <a16:creationId xmlns:a16="http://schemas.microsoft.com/office/drawing/2014/main" id="{D16354F7-6F50-6828-E690-9439F7B4EFDF}"/>
               </a:ext>
             </a:extLst>
           </p:cNvPr>
@@ -7512,38 +8227,8 @@
         </p:blipFill>
         <p:spPr>
           <a:xfrm>
-            <a:off x="1942369" y="1802723"/>
-            <a:ext cx="8307262" cy="255608"/>
-          </a:xfrm>
-          <a:prstGeom prst="rect">
-            <a:avLst/>
-          </a:prstGeom>
-        </p:spPr>
-      </p:pic>
-      <p:pic>
-        <p:nvPicPr>
-          <p:cNvPr id="16" name="Afbeelding 15">
-            <a:extLst>
-              <a:ext uri="{FF2B5EF4-FFF2-40B4-BE49-F238E27FC236}">
-                <a16:creationId xmlns:a16="http://schemas.microsoft.com/office/drawing/2014/main" id="{B509BA39-701F-950E-CDAD-5EE5B56842D0}"/>
-              </a:ext>
-            </a:extLst>
-          </p:cNvPr>
-          <p:cNvPicPr>
-            <a:picLocks noChangeAspect="1"/>
-          </p:cNvPicPr>
-          <p:nvPr/>
-        </p:nvPicPr>
-        <p:blipFill>
-          <a:blip r:embed="rId3"/>
-          <a:stretch>
-            <a:fillRect/>
-          </a:stretch>
-        </p:blipFill>
-        <p:spPr>
-          <a:xfrm>
-            <a:off x="1942369" y="2667410"/>
-            <a:ext cx="8307262" cy="2637362"/>
+            <a:off x="2480758" y="1314000"/>
+            <a:ext cx="7230484" cy="4753638"/>
           </a:xfrm>
           <a:prstGeom prst="rect">
             <a:avLst/>
@@ -7553,7 +8238,7 @@
     </p:spTree>
     <p:extLst>
       <p:ext uri="{BB962C8B-B14F-4D97-AF65-F5344CB8AC3E}">
-        <p14:creationId xmlns:p14="http://schemas.microsoft.com/office/powerpoint/2010/main" val="3566096569"/>
+        <p14:creationId xmlns:p14="http://schemas.microsoft.com/office/powerpoint/2010/main" val="4276970213"/>
       </p:ext>
     </p:extLst>
   </p:cSld>
